--- a/Documentação/Story Board/StoryBoard.pptx
+++ b/Documentação/Story Board/StoryBoard.pptx
@@ -105,6 +105,11 @@
       </a:defRPr>
     </a:lvl9pPr>
   </p:defaultTextStyle>
+  <p:extLst>
+    <p:ext uri="{EFAFB233-063F-42B5-8137-9DF3F51BA10A}">
+      <p15:sldGuideLst xmlns:p15="http://schemas.microsoft.com/office/powerpoint/2012/main"/>
+    </p:ext>
+  </p:extLst>
 </p:presentation>
 </file>
 
@@ -604,7 +609,7 @@
           <a:p>
             <a:fld id="{1429A2B8-2050-4725-9CC9-3CFF8B5D687D}" type="datetimeFigureOut">
               <a:rPr lang="pt-BR" smtClean="0"/>
-              <a:t>16/10/2019</a:t>
+              <a:t>02/12/2019</a:t>
             </a:fld>
             <a:endParaRPr lang="pt-BR"/>
           </a:p>
@@ -802,7 +807,7 @@
           <a:p>
             <a:fld id="{1429A2B8-2050-4725-9CC9-3CFF8B5D687D}" type="datetimeFigureOut">
               <a:rPr lang="pt-BR" smtClean="0"/>
-              <a:t>16/10/2019</a:t>
+              <a:t>02/12/2019</a:t>
             </a:fld>
             <a:endParaRPr lang="pt-BR"/>
           </a:p>
@@ -1010,7 +1015,7 @@
           <a:p>
             <a:fld id="{1429A2B8-2050-4725-9CC9-3CFF8B5D687D}" type="datetimeFigureOut">
               <a:rPr lang="pt-BR" smtClean="0"/>
-              <a:t>16/10/2019</a:t>
+              <a:t>02/12/2019</a:t>
             </a:fld>
             <a:endParaRPr lang="pt-BR"/>
           </a:p>
@@ -1208,7 +1213,7 @@
           <a:p>
             <a:fld id="{1429A2B8-2050-4725-9CC9-3CFF8B5D687D}" type="datetimeFigureOut">
               <a:rPr lang="pt-BR" smtClean="0"/>
-              <a:t>16/10/2019</a:t>
+              <a:t>02/12/2019</a:t>
             </a:fld>
             <a:endParaRPr lang="pt-BR"/>
           </a:p>
@@ -1483,7 +1488,7 @@
           <a:p>
             <a:fld id="{1429A2B8-2050-4725-9CC9-3CFF8B5D687D}" type="datetimeFigureOut">
               <a:rPr lang="pt-BR" smtClean="0"/>
-              <a:t>16/10/2019</a:t>
+              <a:t>02/12/2019</a:t>
             </a:fld>
             <a:endParaRPr lang="pt-BR"/>
           </a:p>
@@ -1748,7 +1753,7 @@
           <a:p>
             <a:fld id="{1429A2B8-2050-4725-9CC9-3CFF8B5D687D}" type="datetimeFigureOut">
               <a:rPr lang="pt-BR" smtClean="0"/>
-              <a:t>16/10/2019</a:t>
+              <a:t>02/12/2019</a:t>
             </a:fld>
             <a:endParaRPr lang="pt-BR"/>
           </a:p>
@@ -2160,7 +2165,7 @@
           <a:p>
             <a:fld id="{1429A2B8-2050-4725-9CC9-3CFF8B5D687D}" type="datetimeFigureOut">
               <a:rPr lang="pt-BR" smtClean="0"/>
-              <a:t>16/10/2019</a:t>
+              <a:t>02/12/2019</a:t>
             </a:fld>
             <a:endParaRPr lang="pt-BR"/>
           </a:p>
@@ -2301,7 +2306,7 @@
           <a:p>
             <a:fld id="{1429A2B8-2050-4725-9CC9-3CFF8B5D687D}" type="datetimeFigureOut">
               <a:rPr lang="pt-BR" smtClean="0"/>
-              <a:t>16/10/2019</a:t>
+              <a:t>02/12/2019</a:t>
             </a:fld>
             <a:endParaRPr lang="pt-BR"/>
           </a:p>
@@ -2414,7 +2419,7 @@
           <a:p>
             <a:fld id="{1429A2B8-2050-4725-9CC9-3CFF8B5D687D}" type="datetimeFigureOut">
               <a:rPr lang="pt-BR" smtClean="0"/>
-              <a:t>16/10/2019</a:t>
+              <a:t>02/12/2019</a:t>
             </a:fld>
             <a:endParaRPr lang="pt-BR"/>
           </a:p>
@@ -2725,7 +2730,7 @@
           <a:p>
             <a:fld id="{1429A2B8-2050-4725-9CC9-3CFF8B5D687D}" type="datetimeFigureOut">
               <a:rPr lang="pt-BR" smtClean="0"/>
-              <a:t>16/10/2019</a:t>
+              <a:t>02/12/2019</a:t>
             </a:fld>
             <a:endParaRPr lang="pt-BR"/>
           </a:p>
@@ -3013,7 +3018,7 @@
           <a:p>
             <a:fld id="{1429A2B8-2050-4725-9CC9-3CFF8B5D687D}" type="datetimeFigureOut">
               <a:rPr lang="pt-BR" smtClean="0"/>
-              <a:t>16/10/2019</a:t>
+              <a:t>02/12/2019</a:t>
             </a:fld>
             <a:endParaRPr lang="pt-BR"/>
           </a:p>
@@ -3254,7 +3259,7 @@
           <a:p>
             <a:fld id="{1429A2B8-2050-4725-9CC9-3CFF8B5D687D}" type="datetimeFigureOut">
               <a:rPr lang="pt-BR" smtClean="0"/>
-              <a:t>16/10/2019</a:t>
+              <a:t>02/12/2019</a:t>
             </a:fld>
             <a:endParaRPr lang="pt-BR"/>
           </a:p>
@@ -3671,969 +3676,1011 @@
           <a:chExt cx="0" cy="0"/>
         </a:xfrm>
       </p:grpSpPr>
-      <p:sp>
-        <p:nvSpPr>
-          <p:cNvPr id="4" name="Retângulo 3">
-            <a:extLst>
-              <a:ext uri="{FF2B5EF4-FFF2-40B4-BE49-F238E27FC236}">
-                <a16:creationId xmlns:a16="http://schemas.microsoft.com/office/drawing/2014/main" id="{42338166-451B-4EB8-91EA-336A411DB2EA}"/>
-              </a:ext>
-            </a:extLst>
-          </p:cNvPr>
-          <p:cNvSpPr/>
+      <p:grpSp>
+        <p:nvGrpSpPr>
+          <p:cNvPr id="9" name="Agrupar 8">
+            <a:extLst>
+              <a:ext uri="{FF2B5EF4-FFF2-40B4-BE49-F238E27FC236}">
+                <a16:creationId xmlns:a16="http://schemas.microsoft.com/office/drawing/2014/main" id="{BED4D6B0-379B-49B6-866E-D94548993C45}"/>
+              </a:ext>
+            </a:extLst>
+          </p:cNvPr>
+          <p:cNvGrpSpPr/>
           <p:nvPr/>
-        </p:nvSpPr>
-        <p:spPr>
+        </p:nvGrpSpPr>
+        <p:grpSpPr>
           <a:xfrm>
-            <a:off x="225083" y="460717"/>
-            <a:ext cx="3221502" cy="2968283"/>
+            <a:off x="1057459" y="399683"/>
+            <a:ext cx="10077081" cy="6058634"/>
+            <a:chOff x="225083" y="451496"/>
+            <a:chExt cx="10077081" cy="6058634"/>
           </a:xfrm>
-          <a:prstGeom prst="rect">
-            <a:avLst/>
-          </a:prstGeom>
-          <a:ln w="28575"/>
-        </p:spPr>
-        <p:style>
-          <a:lnRef idx="2">
-            <a:schemeClr val="dk1"/>
-          </a:lnRef>
-          <a:fillRef idx="1">
-            <a:schemeClr val="lt1"/>
-          </a:fillRef>
-          <a:effectRef idx="0">
-            <a:schemeClr val="dk1"/>
-          </a:effectRef>
-          <a:fontRef idx="minor">
-            <a:schemeClr val="dk1"/>
-          </a:fontRef>
-        </p:style>
-        <p:txBody>
-          <a:bodyPr rtlCol="0" anchor="ctr"/>
-          <a:lstStyle/>
-          <a:p>
-            <a:pPr algn="ctr"/>
-            <a:endParaRPr lang="pt-BR"/>
-          </a:p>
-        </p:txBody>
-      </p:sp>
-      <p:sp>
-        <p:nvSpPr>
-          <p:cNvPr id="5" name="Retângulo 4">
-            <a:extLst>
-              <a:ext uri="{FF2B5EF4-FFF2-40B4-BE49-F238E27FC236}">
-                <a16:creationId xmlns:a16="http://schemas.microsoft.com/office/drawing/2014/main" id="{C5DEB609-FBAD-4F9A-BD1D-AD53BE39F26A}"/>
-              </a:ext>
-            </a:extLst>
-          </p:cNvPr>
-          <p:cNvSpPr/>
-          <p:nvPr/>
-        </p:nvSpPr>
-        <p:spPr>
-          <a:xfrm>
-            <a:off x="3598985" y="460716"/>
-            <a:ext cx="3221502" cy="2968283"/>
-          </a:xfrm>
-          <a:prstGeom prst="rect">
-            <a:avLst/>
-          </a:prstGeom>
-          <a:ln w="28575"/>
-        </p:spPr>
-        <p:style>
-          <a:lnRef idx="2">
-            <a:schemeClr val="dk1"/>
-          </a:lnRef>
-          <a:fillRef idx="1">
-            <a:schemeClr val="lt1"/>
-          </a:fillRef>
-          <a:effectRef idx="0">
-            <a:schemeClr val="dk1"/>
-          </a:effectRef>
-          <a:fontRef idx="minor">
-            <a:schemeClr val="dk1"/>
-          </a:fontRef>
-        </p:style>
-        <p:txBody>
-          <a:bodyPr rtlCol="0" anchor="ctr"/>
-          <a:lstStyle/>
-          <a:p>
-            <a:pPr algn="ctr"/>
-            <a:endParaRPr lang="pt-BR"/>
-          </a:p>
-        </p:txBody>
-      </p:sp>
-      <p:sp>
-        <p:nvSpPr>
-          <p:cNvPr id="6" name="Retângulo 5">
-            <a:extLst>
-              <a:ext uri="{FF2B5EF4-FFF2-40B4-BE49-F238E27FC236}">
-                <a16:creationId xmlns:a16="http://schemas.microsoft.com/office/drawing/2014/main" id="{13ADA0AA-1600-44B9-9122-6DEA03D8BBC0}"/>
-              </a:ext>
-            </a:extLst>
-          </p:cNvPr>
-          <p:cNvSpPr/>
-          <p:nvPr/>
-        </p:nvSpPr>
-        <p:spPr>
-          <a:xfrm>
-            <a:off x="6972887" y="460715"/>
-            <a:ext cx="3221502" cy="2968283"/>
-          </a:xfrm>
-          <a:prstGeom prst="rect">
-            <a:avLst/>
-          </a:prstGeom>
-          <a:ln w="28575"/>
-        </p:spPr>
-        <p:style>
-          <a:lnRef idx="2">
-            <a:schemeClr val="dk1"/>
-          </a:lnRef>
-          <a:fillRef idx="1">
-            <a:schemeClr val="lt1"/>
-          </a:fillRef>
-          <a:effectRef idx="0">
-            <a:schemeClr val="dk1"/>
-          </a:effectRef>
-          <a:fontRef idx="minor">
-            <a:schemeClr val="dk1"/>
-          </a:fontRef>
-        </p:style>
-        <p:txBody>
-          <a:bodyPr rtlCol="0" anchor="ctr"/>
-          <a:lstStyle/>
-          <a:p>
-            <a:pPr algn="ctr"/>
-            <a:endParaRPr lang="pt-BR"/>
-          </a:p>
-        </p:txBody>
-      </p:sp>
-      <p:sp>
-        <p:nvSpPr>
-          <p:cNvPr id="7" name="Retângulo 6">
-            <a:extLst>
-              <a:ext uri="{FF2B5EF4-FFF2-40B4-BE49-F238E27FC236}">
-                <a16:creationId xmlns:a16="http://schemas.microsoft.com/office/drawing/2014/main" id="{9578C9D5-AF92-4377-ABBF-85B829E80554}"/>
-              </a:ext>
-            </a:extLst>
-          </p:cNvPr>
-          <p:cNvSpPr/>
-          <p:nvPr/>
-        </p:nvSpPr>
-        <p:spPr>
-          <a:xfrm>
-            <a:off x="225083" y="3541847"/>
-            <a:ext cx="3221502" cy="2968283"/>
-          </a:xfrm>
-          <a:prstGeom prst="rect">
-            <a:avLst/>
-          </a:prstGeom>
-          <a:ln w="28575"/>
-        </p:spPr>
-        <p:style>
-          <a:lnRef idx="2">
-            <a:schemeClr val="dk1"/>
-          </a:lnRef>
-          <a:fillRef idx="1">
-            <a:schemeClr val="lt1"/>
-          </a:fillRef>
-          <a:effectRef idx="0">
-            <a:schemeClr val="dk1"/>
-          </a:effectRef>
-          <a:fontRef idx="minor">
-            <a:schemeClr val="dk1"/>
-          </a:fontRef>
-        </p:style>
-        <p:txBody>
-          <a:bodyPr rtlCol="0" anchor="ctr"/>
-          <a:lstStyle/>
-          <a:p>
-            <a:pPr algn="ctr"/>
-            <a:endParaRPr lang="pt-BR"/>
-          </a:p>
-        </p:txBody>
-      </p:sp>
-      <p:sp>
-        <p:nvSpPr>
-          <p:cNvPr id="10" name="Retângulo 9">
-            <a:extLst>
-              <a:ext uri="{FF2B5EF4-FFF2-40B4-BE49-F238E27FC236}">
-                <a16:creationId xmlns:a16="http://schemas.microsoft.com/office/drawing/2014/main" id="{21B5FF24-D693-44F6-872F-8C64679CBE1C}"/>
-              </a:ext>
-            </a:extLst>
-          </p:cNvPr>
-          <p:cNvSpPr/>
-          <p:nvPr/>
-        </p:nvSpPr>
-        <p:spPr>
-          <a:xfrm>
-            <a:off x="364446" y="552594"/>
-            <a:ext cx="2922308" cy="2086606"/>
-          </a:xfrm>
-          <a:prstGeom prst="rect">
-            <a:avLst/>
-          </a:prstGeom>
-          <a:ln w="28575"/>
-        </p:spPr>
-        <p:style>
-          <a:lnRef idx="2">
-            <a:schemeClr val="dk1"/>
-          </a:lnRef>
-          <a:fillRef idx="1">
-            <a:schemeClr val="lt1"/>
-          </a:fillRef>
-          <a:effectRef idx="0">
-            <a:schemeClr val="dk1"/>
-          </a:effectRef>
-          <a:fontRef idx="minor">
-            <a:schemeClr val="dk1"/>
-          </a:fontRef>
-        </p:style>
-        <p:txBody>
-          <a:bodyPr rtlCol="0" anchor="ctr"/>
-          <a:lstStyle/>
-          <a:p>
-            <a:pPr algn="ctr"/>
-            <a:endParaRPr lang="pt-BR"/>
-          </a:p>
-        </p:txBody>
-      </p:sp>
-      <p:sp>
-        <p:nvSpPr>
-          <p:cNvPr id="11" name="Retângulo 10">
-            <a:extLst>
-              <a:ext uri="{FF2B5EF4-FFF2-40B4-BE49-F238E27FC236}">
-                <a16:creationId xmlns:a16="http://schemas.microsoft.com/office/drawing/2014/main" id="{41FF8EC6-D549-4447-9BA1-44EE0D31BC44}"/>
-              </a:ext>
-            </a:extLst>
-          </p:cNvPr>
-          <p:cNvSpPr/>
-          <p:nvPr/>
-        </p:nvSpPr>
-        <p:spPr>
-          <a:xfrm>
-            <a:off x="3748582" y="613118"/>
-            <a:ext cx="2922308" cy="2086606"/>
-          </a:xfrm>
-          <a:prstGeom prst="rect">
-            <a:avLst/>
-          </a:prstGeom>
-          <a:ln w="28575"/>
-        </p:spPr>
-        <p:style>
-          <a:lnRef idx="2">
-            <a:schemeClr val="dk1"/>
-          </a:lnRef>
-          <a:fillRef idx="1">
-            <a:schemeClr val="lt1"/>
-          </a:fillRef>
-          <a:effectRef idx="0">
-            <a:schemeClr val="dk1"/>
-          </a:effectRef>
-          <a:fontRef idx="minor">
-            <a:schemeClr val="dk1"/>
-          </a:fontRef>
-        </p:style>
-        <p:txBody>
-          <a:bodyPr rtlCol="0" anchor="ctr"/>
-          <a:lstStyle/>
-          <a:p>
-            <a:pPr algn="ctr"/>
-            <a:endParaRPr lang="pt-BR"/>
-          </a:p>
-        </p:txBody>
-      </p:sp>
-      <p:sp>
-        <p:nvSpPr>
-          <p:cNvPr id="12" name="Retângulo 11">
-            <a:extLst>
-              <a:ext uri="{FF2B5EF4-FFF2-40B4-BE49-F238E27FC236}">
-                <a16:creationId xmlns:a16="http://schemas.microsoft.com/office/drawing/2014/main" id="{415BC073-B2B7-4C69-A0ED-668706FF0E98}"/>
-              </a:ext>
-            </a:extLst>
-          </p:cNvPr>
-          <p:cNvSpPr/>
-          <p:nvPr/>
-        </p:nvSpPr>
-        <p:spPr>
-          <a:xfrm>
-            <a:off x="7122484" y="613118"/>
-            <a:ext cx="2922308" cy="2086606"/>
-          </a:xfrm>
-          <a:prstGeom prst="rect">
-            <a:avLst/>
-          </a:prstGeom>
-          <a:ln w="28575"/>
-        </p:spPr>
-        <p:style>
-          <a:lnRef idx="2">
-            <a:schemeClr val="dk1"/>
-          </a:lnRef>
-          <a:fillRef idx="1">
-            <a:schemeClr val="lt1"/>
-          </a:fillRef>
-          <a:effectRef idx="0">
-            <a:schemeClr val="dk1"/>
-          </a:effectRef>
-          <a:fontRef idx="minor">
-            <a:schemeClr val="dk1"/>
-          </a:fontRef>
-        </p:style>
-        <p:txBody>
-          <a:bodyPr rtlCol="0" anchor="ctr"/>
-          <a:lstStyle/>
-          <a:p>
-            <a:pPr algn="ctr"/>
-            <a:endParaRPr lang="pt-BR"/>
-          </a:p>
-        </p:txBody>
-      </p:sp>
-      <p:sp>
-        <p:nvSpPr>
-          <p:cNvPr id="13" name="Retângulo 12">
-            <a:extLst>
-              <a:ext uri="{FF2B5EF4-FFF2-40B4-BE49-F238E27FC236}">
-                <a16:creationId xmlns:a16="http://schemas.microsoft.com/office/drawing/2014/main" id="{CED10873-483C-42DD-AB95-BCAEC307EDCB}"/>
-              </a:ext>
-            </a:extLst>
-          </p:cNvPr>
-          <p:cNvSpPr/>
-          <p:nvPr/>
-        </p:nvSpPr>
-        <p:spPr>
-          <a:xfrm>
-            <a:off x="374680" y="3730586"/>
-            <a:ext cx="2922308" cy="2086606"/>
-          </a:xfrm>
-          <a:prstGeom prst="rect">
-            <a:avLst/>
-          </a:prstGeom>
-          <a:ln w="28575"/>
-        </p:spPr>
-        <p:style>
-          <a:lnRef idx="2">
-            <a:schemeClr val="dk1"/>
-          </a:lnRef>
-          <a:fillRef idx="1">
-            <a:schemeClr val="lt1"/>
-          </a:fillRef>
-          <a:effectRef idx="0">
-            <a:schemeClr val="dk1"/>
-          </a:effectRef>
-          <a:fontRef idx="minor">
-            <a:schemeClr val="dk1"/>
-          </a:fontRef>
-        </p:style>
-        <p:txBody>
-          <a:bodyPr rtlCol="0" anchor="ctr"/>
-          <a:lstStyle/>
-          <a:p>
-            <a:pPr algn="ctr"/>
-            <a:endParaRPr lang="pt-BR"/>
-          </a:p>
-        </p:txBody>
-      </p:sp>
-      <p:sp>
-        <p:nvSpPr>
-          <p:cNvPr id="16" name="CaixaDeTexto 15">
-            <a:extLst>
-              <a:ext uri="{FF2B5EF4-FFF2-40B4-BE49-F238E27FC236}">
-                <a16:creationId xmlns:a16="http://schemas.microsoft.com/office/drawing/2014/main" id="{C63C2F1E-58D6-43D2-BDB1-31474D78F54B}"/>
-              </a:ext>
-            </a:extLst>
-          </p:cNvPr>
-          <p:cNvSpPr txBox="1"/>
-          <p:nvPr/>
-        </p:nvSpPr>
-        <p:spPr>
-          <a:xfrm>
-            <a:off x="333553" y="2557097"/>
-            <a:ext cx="3071905" cy="923330"/>
-          </a:xfrm>
-          <a:prstGeom prst="rect">
-            <a:avLst/>
-          </a:prstGeom>
-          <a:noFill/>
-        </p:spPr>
-        <p:txBody>
-          <a:bodyPr wrap="square" rtlCol="0">
-            <a:spAutoFit/>
-          </a:bodyPr>
-          <a:lstStyle/>
-          <a:p>
-            <a:r>
-              <a:rPr lang="pt-BR" dirty="0" err="1"/>
-              <a:t>Usuario</a:t>
-            </a:r>
-            <a:r>
-              <a:rPr lang="pt-BR" dirty="0"/>
-              <a:t> deixou seu Computador renderizando após o termino do trabalho</a:t>
-            </a:r>
-          </a:p>
-        </p:txBody>
-      </p:sp>
-      <p:sp>
-        <p:nvSpPr>
-          <p:cNvPr id="17" name="CaixaDeTexto 16">
-            <a:extLst>
-              <a:ext uri="{FF2B5EF4-FFF2-40B4-BE49-F238E27FC236}">
-                <a16:creationId xmlns:a16="http://schemas.microsoft.com/office/drawing/2014/main" id="{F84981B6-D3BD-46ED-A5ED-B53010843E53}"/>
-              </a:ext>
-            </a:extLst>
-          </p:cNvPr>
-          <p:cNvSpPr txBox="1"/>
-          <p:nvPr/>
-        </p:nvSpPr>
-        <p:spPr>
-          <a:xfrm>
-            <a:off x="3710374" y="2571370"/>
-            <a:ext cx="3071905" cy="923330"/>
-          </a:xfrm>
-          <a:prstGeom prst="rect">
-            <a:avLst/>
-          </a:prstGeom>
-          <a:noFill/>
-        </p:spPr>
-        <p:txBody>
-          <a:bodyPr wrap="square" rtlCol="0">
-            <a:spAutoFit/>
-          </a:bodyPr>
-          <a:lstStyle/>
-          <a:p>
-            <a:r>
-              <a:rPr lang="pt-BR" dirty="0" err="1"/>
-              <a:t>Usuario</a:t>
-            </a:r>
-            <a:r>
-              <a:rPr lang="pt-BR" dirty="0"/>
-              <a:t> resolve sair para uma festa para comemorar o termino do projeto</a:t>
-            </a:r>
-          </a:p>
-        </p:txBody>
-      </p:sp>
-      <p:sp>
-        <p:nvSpPr>
-          <p:cNvPr id="18" name="CaixaDeTexto 17">
-            <a:extLst>
-              <a:ext uri="{FF2B5EF4-FFF2-40B4-BE49-F238E27FC236}">
-                <a16:creationId xmlns:a16="http://schemas.microsoft.com/office/drawing/2014/main" id="{8FE65CA9-EBFB-4A4B-A0B2-A2EAD7544D32}"/>
-              </a:ext>
-            </a:extLst>
-          </p:cNvPr>
-          <p:cNvSpPr txBox="1"/>
-          <p:nvPr/>
-        </p:nvSpPr>
-        <p:spPr>
-          <a:xfrm>
-            <a:off x="7080662" y="2756461"/>
-            <a:ext cx="3221502" cy="584775"/>
-          </a:xfrm>
-          <a:prstGeom prst="rect">
-            <a:avLst/>
-          </a:prstGeom>
-          <a:noFill/>
-        </p:spPr>
-        <p:txBody>
-          <a:bodyPr wrap="square" rtlCol="0">
-            <a:spAutoFit/>
-          </a:bodyPr>
-          <a:lstStyle/>
-          <a:p>
-            <a:r>
-              <a:rPr lang="pt-BR" sz="1600" dirty="0"/>
-              <a:t>Ocorre um erro e o usuário não está em casa</a:t>
-            </a:r>
-          </a:p>
-        </p:txBody>
-      </p:sp>
-      <p:sp>
-        <p:nvSpPr>
-          <p:cNvPr id="19" name="CaixaDeTexto 18">
-            <a:extLst>
-              <a:ext uri="{FF2B5EF4-FFF2-40B4-BE49-F238E27FC236}">
-                <a16:creationId xmlns:a16="http://schemas.microsoft.com/office/drawing/2014/main" id="{6D0ADA02-4E5D-4F1D-AFF4-CBB5635D8F5D}"/>
-              </a:ext>
-            </a:extLst>
-          </p:cNvPr>
-          <p:cNvSpPr txBox="1"/>
-          <p:nvPr/>
-        </p:nvSpPr>
-        <p:spPr>
-          <a:xfrm>
-            <a:off x="364446" y="5793548"/>
-            <a:ext cx="3071905" cy="646331"/>
-          </a:xfrm>
-          <a:prstGeom prst="rect">
-            <a:avLst/>
-          </a:prstGeom>
-          <a:noFill/>
-        </p:spPr>
-        <p:txBody>
-          <a:bodyPr wrap="square" rtlCol="0">
-            <a:spAutoFit/>
-          </a:bodyPr>
-          <a:lstStyle/>
-          <a:p>
-            <a:r>
-              <a:rPr lang="pt-BR" dirty="0"/>
-              <a:t>É enviado um alerta via SMS detalhando o erro ao </a:t>
-            </a:r>
-            <a:r>
-              <a:rPr lang="pt-BR" dirty="0" err="1"/>
-              <a:t>usuario</a:t>
-            </a:r>
-            <a:endParaRPr lang="pt-BR" dirty="0"/>
-          </a:p>
-        </p:txBody>
-      </p:sp>
-      <p:pic>
-        <p:nvPicPr>
-          <p:cNvPr id="1026" name="Picture 2" descr="Computer Screen Icon transparent PNG - StickPNG">
-            <a:extLst>
-              <a:ext uri="{FF2B5EF4-FFF2-40B4-BE49-F238E27FC236}">
-                <a16:creationId xmlns:a16="http://schemas.microsoft.com/office/drawing/2014/main" id="{CB2C71BF-A957-41F8-9023-CAE4FECEA078}"/>
-              </a:ext>
-            </a:extLst>
-          </p:cNvPr>
-          <p:cNvPicPr>
-            <a:picLocks noChangeAspect="1" noChangeArrowheads="1"/>
-          </p:cNvPicPr>
-          <p:nvPr/>
-        </p:nvPicPr>
-        <p:blipFill>
-          <a:blip r:embed="rId2">
-            <a:extLst>
-              <a:ext uri="{28A0092B-C50C-407E-A947-70E740481C1C}">
-                <a14:useLocalDpi xmlns:a14="http://schemas.microsoft.com/office/drawing/2010/main" val="0"/>
-              </a:ext>
-            </a:extLst>
-          </a:blip>
-          <a:srcRect/>
-          <a:stretch>
-            <a:fillRect/>
-          </a:stretch>
-        </p:blipFill>
-        <p:spPr bwMode="auto">
-          <a:xfrm>
-            <a:off x="653766" y="451496"/>
-            <a:ext cx="2256168" cy="2256168"/>
-          </a:xfrm>
-          <a:prstGeom prst="rect">
-            <a:avLst/>
-          </a:prstGeom>
-          <a:noFill/>
-          <a:extLst>
-            <a:ext uri="{909E8E84-426E-40DD-AFC4-6F175D3DCCD1}">
-              <a14:hiddenFill xmlns:a14="http://schemas.microsoft.com/office/drawing/2010/main">
-                <a:solidFill>
-                  <a:srgbClr val="FFFFFF"/>
-                </a:solidFill>
-              </a14:hiddenFill>
-            </a:ext>
-          </a:extLst>
-        </p:spPr>
-      </p:pic>
-      <p:cxnSp>
-        <p:nvCxnSpPr>
-          <p:cNvPr id="113" name="Conector reto 112">
-            <a:extLst>
-              <a:ext uri="{FF2B5EF4-FFF2-40B4-BE49-F238E27FC236}">
-                <a16:creationId xmlns:a16="http://schemas.microsoft.com/office/drawing/2014/main" id="{70C8359D-A3AF-43D1-A2A4-C9E646F31BFA}"/>
-              </a:ext>
-            </a:extLst>
-          </p:cNvPr>
-          <p:cNvCxnSpPr/>
-          <p:nvPr/>
-        </p:nvCxnSpPr>
-        <p:spPr>
-          <a:xfrm flipH="1" flipV="1">
-            <a:off x="5328767" y="2053883"/>
-            <a:ext cx="593731" cy="645841"/>
-          </a:xfrm>
-          <a:prstGeom prst="line">
-            <a:avLst/>
-          </a:prstGeom>
-          <a:ln>
-            <a:solidFill>
+        </p:grpSpPr>
+        <p:sp>
+          <p:nvSpPr>
+            <p:cNvPr id="7" name="Retângulo 6">
+              <a:extLst>
+                <a:ext uri="{FF2B5EF4-FFF2-40B4-BE49-F238E27FC236}">
+                  <a16:creationId xmlns:a16="http://schemas.microsoft.com/office/drawing/2014/main" id="{9578C9D5-AF92-4377-ABBF-85B829E80554}"/>
+                </a:ext>
+              </a:extLst>
+            </p:cNvPr>
+            <p:cNvSpPr/>
+            <p:nvPr/>
+          </p:nvSpPr>
+          <p:spPr>
+            <a:xfrm>
+              <a:off x="225083" y="3541847"/>
+              <a:ext cx="3221502" cy="2968283"/>
+            </a:xfrm>
+            <a:prstGeom prst="rect">
+              <a:avLst/>
+            </a:prstGeom>
+            <a:ln w="28575"/>
+          </p:spPr>
+          <p:style>
+            <a:lnRef idx="2">
+              <a:schemeClr val="dk1"/>
+            </a:lnRef>
+            <a:fillRef idx="1">
+              <a:schemeClr val="lt1"/>
+            </a:fillRef>
+            <a:effectRef idx="0">
+              <a:schemeClr val="dk1"/>
+            </a:effectRef>
+            <a:fontRef idx="minor">
+              <a:schemeClr val="dk1"/>
+            </a:fontRef>
+          </p:style>
+          <p:txBody>
+            <a:bodyPr rtlCol="0" anchor="ctr"/>
+            <a:lstStyle/>
+            <a:p>
+              <a:pPr algn="ctr"/>
+              <a:endParaRPr lang="pt-BR"/>
+            </a:p>
+          </p:txBody>
+        </p:sp>
+        <p:sp>
+          <p:nvSpPr>
+            <p:cNvPr id="19" name="CaixaDeTexto 18">
+              <a:extLst>
+                <a:ext uri="{FF2B5EF4-FFF2-40B4-BE49-F238E27FC236}">
+                  <a16:creationId xmlns:a16="http://schemas.microsoft.com/office/drawing/2014/main" id="{6D0ADA02-4E5D-4F1D-AFF4-CBB5635D8F5D}"/>
+                </a:ext>
+              </a:extLst>
+            </p:cNvPr>
+            <p:cNvSpPr txBox="1"/>
+            <p:nvPr/>
+          </p:nvSpPr>
+          <p:spPr>
+            <a:xfrm>
+              <a:off x="364446" y="5793548"/>
+              <a:ext cx="3071905" cy="646331"/>
+            </a:xfrm>
+            <a:prstGeom prst="rect">
+              <a:avLst/>
+            </a:prstGeom>
+            <a:noFill/>
+          </p:spPr>
+          <p:txBody>
+            <a:bodyPr wrap="square" rtlCol="0">
+              <a:spAutoFit/>
+            </a:bodyPr>
+            <a:lstStyle/>
+            <a:p>
+              <a:r>
+                <a:rPr lang="pt-BR" dirty="0"/>
+                <a:t>É enviado um alerta via Slack detalhando o erro ao usuário</a:t>
+              </a:r>
+            </a:p>
+          </p:txBody>
+        </p:sp>
+        <p:sp>
+          <p:nvSpPr>
+            <p:cNvPr id="4" name="Retângulo 3">
+              <a:extLst>
+                <a:ext uri="{FF2B5EF4-FFF2-40B4-BE49-F238E27FC236}">
+                  <a16:creationId xmlns:a16="http://schemas.microsoft.com/office/drawing/2014/main" id="{42338166-451B-4EB8-91EA-336A411DB2EA}"/>
+                </a:ext>
+              </a:extLst>
+            </p:cNvPr>
+            <p:cNvSpPr/>
+            <p:nvPr/>
+          </p:nvSpPr>
+          <p:spPr>
+            <a:xfrm>
+              <a:off x="225083" y="460717"/>
+              <a:ext cx="3221502" cy="2968283"/>
+            </a:xfrm>
+            <a:prstGeom prst="rect">
+              <a:avLst/>
+            </a:prstGeom>
+            <a:ln w="28575"/>
+          </p:spPr>
+          <p:style>
+            <a:lnRef idx="2">
+              <a:schemeClr val="dk1"/>
+            </a:lnRef>
+            <a:fillRef idx="1">
+              <a:schemeClr val="lt1"/>
+            </a:fillRef>
+            <a:effectRef idx="0">
+              <a:schemeClr val="dk1"/>
+            </a:effectRef>
+            <a:fontRef idx="minor">
+              <a:schemeClr val="dk1"/>
+            </a:fontRef>
+          </p:style>
+          <p:txBody>
+            <a:bodyPr rtlCol="0" anchor="ctr"/>
+            <a:lstStyle/>
+            <a:p>
+              <a:pPr algn="ctr"/>
+              <a:endParaRPr lang="pt-BR"/>
+            </a:p>
+          </p:txBody>
+        </p:sp>
+        <p:sp>
+          <p:nvSpPr>
+            <p:cNvPr id="5" name="Retângulo 4">
+              <a:extLst>
+                <a:ext uri="{FF2B5EF4-FFF2-40B4-BE49-F238E27FC236}">
+                  <a16:creationId xmlns:a16="http://schemas.microsoft.com/office/drawing/2014/main" id="{C5DEB609-FBAD-4F9A-BD1D-AD53BE39F26A}"/>
+                </a:ext>
+              </a:extLst>
+            </p:cNvPr>
+            <p:cNvSpPr/>
+            <p:nvPr/>
+          </p:nvSpPr>
+          <p:spPr>
+            <a:xfrm>
+              <a:off x="3598985" y="460716"/>
+              <a:ext cx="3221502" cy="2968283"/>
+            </a:xfrm>
+            <a:prstGeom prst="rect">
+              <a:avLst/>
+            </a:prstGeom>
+            <a:ln w="28575"/>
+          </p:spPr>
+          <p:style>
+            <a:lnRef idx="2">
+              <a:schemeClr val="dk1"/>
+            </a:lnRef>
+            <a:fillRef idx="1">
+              <a:schemeClr val="lt1"/>
+            </a:fillRef>
+            <a:effectRef idx="0">
+              <a:schemeClr val="dk1"/>
+            </a:effectRef>
+            <a:fontRef idx="minor">
+              <a:schemeClr val="dk1"/>
+            </a:fontRef>
+          </p:style>
+          <p:txBody>
+            <a:bodyPr rtlCol="0" anchor="ctr"/>
+            <a:lstStyle/>
+            <a:p>
+              <a:pPr algn="ctr"/>
+              <a:endParaRPr lang="pt-BR"/>
+            </a:p>
+          </p:txBody>
+        </p:sp>
+        <p:sp>
+          <p:nvSpPr>
+            <p:cNvPr id="6" name="Retângulo 5">
+              <a:extLst>
+                <a:ext uri="{FF2B5EF4-FFF2-40B4-BE49-F238E27FC236}">
+                  <a16:creationId xmlns:a16="http://schemas.microsoft.com/office/drawing/2014/main" id="{13ADA0AA-1600-44B9-9122-6DEA03D8BBC0}"/>
+                </a:ext>
+              </a:extLst>
+            </p:cNvPr>
+            <p:cNvSpPr/>
+            <p:nvPr/>
+          </p:nvSpPr>
+          <p:spPr>
+            <a:xfrm>
+              <a:off x="6972887" y="460715"/>
+              <a:ext cx="3221502" cy="2968283"/>
+            </a:xfrm>
+            <a:prstGeom prst="rect">
+              <a:avLst/>
+            </a:prstGeom>
+            <a:ln w="28575"/>
+          </p:spPr>
+          <p:style>
+            <a:lnRef idx="2">
+              <a:schemeClr val="dk1"/>
+            </a:lnRef>
+            <a:fillRef idx="1">
+              <a:schemeClr val="lt1"/>
+            </a:fillRef>
+            <a:effectRef idx="0">
+              <a:schemeClr val="dk1"/>
+            </a:effectRef>
+            <a:fontRef idx="minor">
+              <a:schemeClr val="dk1"/>
+            </a:fontRef>
+          </p:style>
+          <p:txBody>
+            <a:bodyPr rtlCol="0" anchor="ctr"/>
+            <a:lstStyle/>
+            <a:p>
+              <a:pPr algn="ctr"/>
+              <a:endParaRPr lang="pt-BR"/>
+            </a:p>
+          </p:txBody>
+        </p:sp>
+        <p:sp>
+          <p:nvSpPr>
+            <p:cNvPr id="10" name="Retângulo 9">
+              <a:extLst>
+                <a:ext uri="{FF2B5EF4-FFF2-40B4-BE49-F238E27FC236}">
+                  <a16:creationId xmlns:a16="http://schemas.microsoft.com/office/drawing/2014/main" id="{21B5FF24-D693-44F6-872F-8C64679CBE1C}"/>
+                </a:ext>
+              </a:extLst>
+            </p:cNvPr>
+            <p:cNvSpPr/>
+            <p:nvPr/>
+          </p:nvSpPr>
+          <p:spPr>
+            <a:xfrm>
+              <a:off x="364446" y="552594"/>
+              <a:ext cx="2922308" cy="2086606"/>
+            </a:xfrm>
+            <a:prstGeom prst="rect">
+              <a:avLst/>
+            </a:prstGeom>
+            <a:ln w="28575"/>
+          </p:spPr>
+          <p:style>
+            <a:lnRef idx="2">
+              <a:schemeClr val="dk1"/>
+            </a:lnRef>
+            <a:fillRef idx="1">
+              <a:schemeClr val="lt1"/>
+            </a:fillRef>
+            <a:effectRef idx="0">
+              <a:schemeClr val="dk1"/>
+            </a:effectRef>
+            <a:fontRef idx="minor">
+              <a:schemeClr val="dk1"/>
+            </a:fontRef>
+          </p:style>
+          <p:txBody>
+            <a:bodyPr rtlCol="0" anchor="ctr"/>
+            <a:lstStyle/>
+            <a:p>
+              <a:pPr algn="ctr"/>
+              <a:endParaRPr lang="pt-BR"/>
+            </a:p>
+          </p:txBody>
+        </p:sp>
+        <p:sp>
+          <p:nvSpPr>
+            <p:cNvPr id="11" name="Retângulo 10">
+              <a:extLst>
+                <a:ext uri="{FF2B5EF4-FFF2-40B4-BE49-F238E27FC236}">
+                  <a16:creationId xmlns:a16="http://schemas.microsoft.com/office/drawing/2014/main" id="{41FF8EC6-D549-4447-9BA1-44EE0D31BC44}"/>
+                </a:ext>
+              </a:extLst>
+            </p:cNvPr>
+            <p:cNvSpPr/>
+            <p:nvPr/>
+          </p:nvSpPr>
+          <p:spPr>
+            <a:xfrm>
+              <a:off x="3717509" y="528413"/>
+              <a:ext cx="2922308" cy="2086606"/>
+            </a:xfrm>
+            <a:prstGeom prst="rect">
+              <a:avLst/>
+            </a:prstGeom>
+            <a:ln w="28575"/>
+          </p:spPr>
+          <p:style>
+            <a:lnRef idx="2">
+              <a:schemeClr val="dk1"/>
+            </a:lnRef>
+            <a:fillRef idx="1">
+              <a:schemeClr val="lt1"/>
+            </a:fillRef>
+            <a:effectRef idx="0">
+              <a:schemeClr val="dk1"/>
+            </a:effectRef>
+            <a:fontRef idx="minor">
+              <a:schemeClr val="dk1"/>
+            </a:fontRef>
+          </p:style>
+          <p:txBody>
+            <a:bodyPr rtlCol="0" anchor="ctr"/>
+            <a:lstStyle/>
+            <a:p>
+              <a:pPr algn="ctr"/>
+              <a:endParaRPr lang="pt-BR"/>
+            </a:p>
+          </p:txBody>
+        </p:sp>
+        <p:sp>
+          <p:nvSpPr>
+            <p:cNvPr id="12" name="Retângulo 11">
+              <a:extLst>
+                <a:ext uri="{FF2B5EF4-FFF2-40B4-BE49-F238E27FC236}">
+                  <a16:creationId xmlns:a16="http://schemas.microsoft.com/office/drawing/2014/main" id="{415BC073-B2B7-4C69-A0ED-668706FF0E98}"/>
+                </a:ext>
+              </a:extLst>
+            </p:cNvPr>
+            <p:cNvSpPr/>
+            <p:nvPr/>
+          </p:nvSpPr>
+          <p:spPr>
+            <a:xfrm>
+              <a:off x="7122484" y="613118"/>
+              <a:ext cx="2922308" cy="2086606"/>
+            </a:xfrm>
+            <a:prstGeom prst="rect">
+              <a:avLst/>
+            </a:prstGeom>
+            <a:ln w="28575"/>
+          </p:spPr>
+          <p:style>
+            <a:lnRef idx="2">
+              <a:schemeClr val="dk1"/>
+            </a:lnRef>
+            <a:fillRef idx="1">
+              <a:schemeClr val="lt1"/>
+            </a:fillRef>
+            <a:effectRef idx="0">
+              <a:schemeClr val="dk1"/>
+            </a:effectRef>
+            <a:fontRef idx="minor">
+              <a:schemeClr val="dk1"/>
+            </a:fontRef>
+          </p:style>
+          <p:txBody>
+            <a:bodyPr rtlCol="0" anchor="ctr"/>
+            <a:lstStyle/>
+            <a:p>
+              <a:pPr algn="ctr"/>
+              <a:endParaRPr lang="pt-BR"/>
+            </a:p>
+          </p:txBody>
+        </p:sp>
+        <p:sp>
+          <p:nvSpPr>
+            <p:cNvPr id="13" name="Retângulo 12">
+              <a:extLst>
+                <a:ext uri="{FF2B5EF4-FFF2-40B4-BE49-F238E27FC236}">
+                  <a16:creationId xmlns:a16="http://schemas.microsoft.com/office/drawing/2014/main" id="{CED10873-483C-42DD-AB95-BCAEC307EDCB}"/>
+                </a:ext>
+              </a:extLst>
+            </p:cNvPr>
+            <p:cNvSpPr/>
+            <p:nvPr/>
+          </p:nvSpPr>
+          <p:spPr>
+            <a:xfrm>
+              <a:off x="374680" y="3730586"/>
+              <a:ext cx="2922308" cy="2086606"/>
+            </a:xfrm>
+            <a:prstGeom prst="rect">
+              <a:avLst/>
+            </a:prstGeom>
+            <a:ln w="28575"/>
+          </p:spPr>
+          <p:style>
+            <a:lnRef idx="2">
+              <a:schemeClr val="dk1"/>
+            </a:lnRef>
+            <a:fillRef idx="1">
+              <a:schemeClr val="lt1"/>
+            </a:fillRef>
+            <a:effectRef idx="0">
+              <a:schemeClr val="dk1"/>
+            </a:effectRef>
+            <a:fontRef idx="minor">
+              <a:schemeClr val="dk1"/>
+            </a:fontRef>
+          </p:style>
+          <p:txBody>
+            <a:bodyPr rtlCol="0" anchor="ctr"/>
+            <a:lstStyle/>
+            <a:p>
+              <a:pPr algn="ctr"/>
+              <a:endParaRPr lang="pt-BR"/>
+            </a:p>
+          </p:txBody>
+        </p:sp>
+        <p:sp>
+          <p:nvSpPr>
+            <p:cNvPr id="16" name="CaixaDeTexto 15">
+              <a:extLst>
+                <a:ext uri="{FF2B5EF4-FFF2-40B4-BE49-F238E27FC236}">
+                  <a16:creationId xmlns:a16="http://schemas.microsoft.com/office/drawing/2014/main" id="{C63C2F1E-58D6-43D2-BDB1-31474D78F54B}"/>
+                </a:ext>
+              </a:extLst>
+            </p:cNvPr>
+            <p:cNvSpPr txBox="1"/>
+            <p:nvPr/>
+          </p:nvSpPr>
+          <p:spPr>
+            <a:xfrm>
+              <a:off x="333553" y="2633473"/>
+              <a:ext cx="3071905" cy="830997"/>
+            </a:xfrm>
+            <a:prstGeom prst="rect">
+              <a:avLst/>
+            </a:prstGeom>
+            <a:noFill/>
+          </p:spPr>
+          <p:txBody>
+            <a:bodyPr wrap="square" rtlCol="0">
+              <a:spAutoFit/>
+            </a:bodyPr>
+            <a:lstStyle/>
+            <a:p>
+              <a:pPr algn="ctr"/>
+              <a:r>
+                <a:rPr lang="pt-BR" sz="1600" dirty="0"/>
+                <a:t>Usuário deixou seu Computador renderizando após o termino do trabalho</a:t>
+              </a:r>
+            </a:p>
+          </p:txBody>
+        </p:sp>
+        <p:sp>
+          <p:nvSpPr>
+            <p:cNvPr id="17" name="CaixaDeTexto 16">
+              <a:extLst>
+                <a:ext uri="{FF2B5EF4-FFF2-40B4-BE49-F238E27FC236}">
+                  <a16:creationId xmlns:a16="http://schemas.microsoft.com/office/drawing/2014/main" id="{F84981B6-D3BD-46ED-A5ED-B53010843E53}"/>
+                </a:ext>
+              </a:extLst>
+            </p:cNvPr>
+            <p:cNvSpPr txBox="1"/>
+            <p:nvPr/>
+          </p:nvSpPr>
+          <p:spPr>
+            <a:xfrm>
+              <a:off x="3710374" y="2571370"/>
+              <a:ext cx="3071905" cy="830997"/>
+            </a:xfrm>
+            <a:prstGeom prst="rect">
+              <a:avLst/>
+            </a:prstGeom>
+            <a:noFill/>
+          </p:spPr>
+          <p:txBody>
+            <a:bodyPr wrap="square" rtlCol="0">
+              <a:spAutoFit/>
+            </a:bodyPr>
+            <a:lstStyle/>
+            <a:p>
+              <a:pPr algn="ctr"/>
+              <a:r>
+                <a:rPr lang="pt-BR" sz="1600" dirty="0"/>
+                <a:t>Usuário resolve sair para uma festa para comemorar o termino do projeto</a:t>
+              </a:r>
+            </a:p>
+          </p:txBody>
+        </p:sp>
+        <p:sp>
+          <p:nvSpPr>
+            <p:cNvPr id="18" name="CaixaDeTexto 17">
+              <a:extLst>
+                <a:ext uri="{FF2B5EF4-FFF2-40B4-BE49-F238E27FC236}">
+                  <a16:creationId xmlns:a16="http://schemas.microsoft.com/office/drawing/2014/main" id="{8FE65CA9-EBFB-4A4B-A0B2-A2EAD7544D32}"/>
+                </a:ext>
+              </a:extLst>
+            </p:cNvPr>
+            <p:cNvSpPr txBox="1"/>
+            <p:nvPr/>
+          </p:nvSpPr>
+          <p:spPr>
+            <a:xfrm>
+              <a:off x="7080662" y="2756461"/>
+              <a:ext cx="3221502" cy="584775"/>
+            </a:xfrm>
+            <a:prstGeom prst="rect">
+              <a:avLst/>
+            </a:prstGeom>
+            <a:noFill/>
+          </p:spPr>
+          <p:txBody>
+            <a:bodyPr wrap="square" rtlCol="0">
+              <a:spAutoFit/>
+            </a:bodyPr>
+            <a:lstStyle/>
+            <a:p>
+              <a:pPr algn="ctr"/>
+              <a:r>
+                <a:rPr lang="pt-BR" sz="1600" dirty="0"/>
+                <a:t>Ocorre um erro e o usuário não está em casa</a:t>
+              </a:r>
+            </a:p>
+          </p:txBody>
+        </p:sp>
+        <p:pic>
+          <p:nvPicPr>
+            <p:cNvPr id="1026" name="Picture 2" descr="Computer Screen Icon transparent PNG - StickPNG">
+              <a:extLst>
+                <a:ext uri="{FF2B5EF4-FFF2-40B4-BE49-F238E27FC236}">
+                  <a16:creationId xmlns:a16="http://schemas.microsoft.com/office/drawing/2014/main" id="{CB2C71BF-A957-41F8-9023-CAE4FECEA078}"/>
+                </a:ext>
+              </a:extLst>
+            </p:cNvPr>
+            <p:cNvPicPr>
+              <a:picLocks noChangeAspect="1" noChangeArrowheads="1"/>
+            </p:cNvPicPr>
+            <p:nvPr/>
+          </p:nvPicPr>
+          <p:blipFill>
+            <a:blip r:embed="rId2">
+              <a:extLst>
+                <a:ext uri="{28A0092B-C50C-407E-A947-70E740481C1C}">
+                  <a14:useLocalDpi xmlns:a14="http://schemas.microsoft.com/office/drawing/2010/main" val="0"/>
+                </a:ext>
+              </a:extLst>
+            </a:blip>
+            <a:srcRect/>
+            <a:stretch>
+              <a:fillRect/>
+            </a:stretch>
+          </p:blipFill>
+          <p:spPr bwMode="auto">
+            <a:xfrm>
+              <a:off x="653766" y="451496"/>
+              <a:ext cx="2256168" cy="2256168"/>
+            </a:xfrm>
+            <a:prstGeom prst="rect">
+              <a:avLst/>
+            </a:prstGeom>
+            <a:noFill/>
+            <a:extLst>
+              <a:ext uri="{909E8E84-426E-40DD-AFC4-6F175D3DCCD1}">
+                <a14:hiddenFill xmlns:a14="http://schemas.microsoft.com/office/drawing/2010/main">
+                  <a:solidFill>
+                    <a:srgbClr val="FFFFFF"/>
+                  </a:solidFill>
+                </a14:hiddenFill>
+              </a:ext>
+            </a:extLst>
+          </p:spPr>
+        </p:pic>
+        <p:cxnSp>
+          <p:nvCxnSpPr>
+            <p:cNvPr id="113" name="Conector reto 112">
+              <a:extLst>
+                <a:ext uri="{FF2B5EF4-FFF2-40B4-BE49-F238E27FC236}">
+                  <a16:creationId xmlns:a16="http://schemas.microsoft.com/office/drawing/2014/main" id="{70C8359D-A3AF-43D1-A2A4-C9E646F31BFA}"/>
+                </a:ext>
+              </a:extLst>
+            </p:cNvPr>
+            <p:cNvCxnSpPr>
+              <a:cxnSpLocks/>
+            </p:cNvCxnSpPr>
+            <p:nvPr/>
+          </p:nvCxnSpPr>
+          <p:spPr>
+            <a:xfrm flipH="1" flipV="1">
+              <a:off x="5328768" y="2053884"/>
+              <a:ext cx="502406" cy="539414"/>
+            </a:xfrm>
+            <a:prstGeom prst="line">
+              <a:avLst/>
+            </a:prstGeom>
+            <a:ln>
+              <a:solidFill>
+                <a:schemeClr val="tx1"/>
+              </a:solidFill>
+            </a:ln>
+          </p:spPr>
+          <p:style>
+            <a:lnRef idx="1">
+              <a:schemeClr val="accent1"/>
+            </a:lnRef>
+            <a:fillRef idx="0">
+              <a:schemeClr val="accent1"/>
+            </a:fillRef>
+            <a:effectRef idx="0">
+              <a:schemeClr val="accent1"/>
+            </a:effectRef>
+            <a:fontRef idx="minor">
               <a:schemeClr val="tx1"/>
-            </a:solidFill>
-          </a:ln>
-        </p:spPr>
-        <p:style>
-          <a:lnRef idx="1">
-            <a:schemeClr val="accent1"/>
-          </a:lnRef>
-          <a:fillRef idx="0">
-            <a:schemeClr val="accent1"/>
-          </a:fillRef>
-          <a:effectRef idx="0">
-            <a:schemeClr val="accent1"/>
-          </a:effectRef>
-          <a:fontRef idx="minor">
-            <a:schemeClr val="tx1"/>
-          </a:fontRef>
-        </p:style>
-      </p:cxnSp>
-      <p:cxnSp>
-        <p:nvCxnSpPr>
-          <p:cNvPr id="115" name="Conector reto 114">
-            <a:extLst>
-              <a:ext uri="{FF2B5EF4-FFF2-40B4-BE49-F238E27FC236}">
-                <a16:creationId xmlns:a16="http://schemas.microsoft.com/office/drawing/2014/main" id="{DB013039-F4D1-4409-A4A3-76EA67597E7B}"/>
-              </a:ext>
-            </a:extLst>
-          </p:cNvPr>
-          <p:cNvCxnSpPr/>
-          <p:nvPr/>
-        </p:nvCxnSpPr>
-        <p:spPr>
-          <a:xfrm flipH="1">
-            <a:off x="3735905" y="2052884"/>
-            <a:ext cx="1592862" cy="363090"/>
-          </a:xfrm>
-          <a:prstGeom prst="line">
-            <a:avLst/>
-          </a:prstGeom>
-          <a:ln>
-            <a:solidFill>
+            </a:fontRef>
+          </p:style>
+        </p:cxnSp>
+        <p:cxnSp>
+          <p:nvCxnSpPr>
+            <p:cNvPr id="115" name="Conector reto 114">
+              <a:extLst>
+                <a:ext uri="{FF2B5EF4-FFF2-40B4-BE49-F238E27FC236}">
+                  <a16:creationId xmlns:a16="http://schemas.microsoft.com/office/drawing/2014/main" id="{DB013039-F4D1-4409-A4A3-76EA67597E7B}"/>
+                </a:ext>
+              </a:extLst>
+            </p:cNvPr>
+            <p:cNvCxnSpPr/>
+            <p:nvPr/>
+          </p:nvCxnSpPr>
+          <p:spPr>
+            <a:xfrm flipH="1">
+              <a:off x="3735905" y="2052884"/>
+              <a:ext cx="1592862" cy="363090"/>
+            </a:xfrm>
+            <a:prstGeom prst="line">
+              <a:avLst/>
+            </a:prstGeom>
+            <a:ln>
+              <a:solidFill>
+                <a:schemeClr val="tx1"/>
+              </a:solidFill>
+            </a:ln>
+          </p:spPr>
+          <p:style>
+            <a:lnRef idx="1">
+              <a:schemeClr val="accent1"/>
+            </a:lnRef>
+            <a:fillRef idx="0">
+              <a:schemeClr val="accent1"/>
+            </a:fillRef>
+            <a:effectRef idx="0">
+              <a:schemeClr val="accent1"/>
+            </a:effectRef>
+            <a:fontRef idx="minor">
               <a:schemeClr val="tx1"/>
-            </a:solidFill>
-          </a:ln>
-        </p:spPr>
-        <p:style>
-          <a:lnRef idx="1">
-            <a:schemeClr val="accent1"/>
-          </a:lnRef>
-          <a:fillRef idx="0">
-            <a:schemeClr val="accent1"/>
-          </a:fillRef>
-          <a:effectRef idx="0">
-            <a:schemeClr val="accent1"/>
-          </a:effectRef>
-          <a:fontRef idx="minor">
-            <a:schemeClr val="tx1"/>
-          </a:fontRef>
-        </p:style>
-      </p:cxnSp>
-      <p:cxnSp>
-        <p:nvCxnSpPr>
-          <p:cNvPr id="117" name="Conector reto 116">
-            <a:extLst>
-              <a:ext uri="{FF2B5EF4-FFF2-40B4-BE49-F238E27FC236}">
-                <a16:creationId xmlns:a16="http://schemas.microsoft.com/office/drawing/2014/main" id="{E49DFDE4-16AF-4274-9AE2-7BB0DB8BFA67}"/>
-              </a:ext>
-            </a:extLst>
-          </p:cNvPr>
-          <p:cNvCxnSpPr/>
-          <p:nvPr/>
-        </p:nvCxnSpPr>
-        <p:spPr>
-          <a:xfrm flipV="1">
-            <a:off x="5328767" y="613118"/>
-            <a:ext cx="0" cy="1439766"/>
-          </a:xfrm>
-          <a:prstGeom prst="line">
-            <a:avLst/>
-          </a:prstGeom>
-          <a:ln>
-            <a:solidFill>
+            </a:fontRef>
+          </p:style>
+        </p:cxnSp>
+        <p:cxnSp>
+          <p:nvCxnSpPr>
+            <p:cNvPr id="117" name="Conector reto 116">
+              <a:extLst>
+                <a:ext uri="{FF2B5EF4-FFF2-40B4-BE49-F238E27FC236}">
+                  <a16:creationId xmlns:a16="http://schemas.microsoft.com/office/drawing/2014/main" id="{E49DFDE4-16AF-4274-9AE2-7BB0DB8BFA67}"/>
+                </a:ext>
+              </a:extLst>
+            </p:cNvPr>
+            <p:cNvCxnSpPr/>
+            <p:nvPr/>
+          </p:nvCxnSpPr>
+          <p:spPr>
+            <a:xfrm flipV="1">
+              <a:off x="5328767" y="613118"/>
+              <a:ext cx="0" cy="1439766"/>
+            </a:xfrm>
+            <a:prstGeom prst="line">
+              <a:avLst/>
+            </a:prstGeom>
+            <a:ln>
+              <a:solidFill>
+                <a:schemeClr val="tx1"/>
+              </a:solidFill>
+            </a:ln>
+          </p:spPr>
+          <p:style>
+            <a:lnRef idx="1">
+              <a:schemeClr val="accent1"/>
+            </a:lnRef>
+            <a:fillRef idx="0">
+              <a:schemeClr val="accent1"/>
+            </a:fillRef>
+            <a:effectRef idx="0">
+              <a:schemeClr val="accent1"/>
+            </a:effectRef>
+            <a:fontRef idx="minor">
               <a:schemeClr val="tx1"/>
-            </a:solidFill>
-          </a:ln>
-        </p:spPr>
-        <p:style>
-          <a:lnRef idx="1">
-            <a:schemeClr val="accent1"/>
-          </a:lnRef>
-          <a:fillRef idx="0">
-            <a:schemeClr val="accent1"/>
-          </a:fillRef>
-          <a:effectRef idx="0">
-            <a:schemeClr val="accent1"/>
-          </a:effectRef>
-          <a:fontRef idx="minor">
-            <a:schemeClr val="tx1"/>
-          </a:fontRef>
-        </p:style>
-      </p:cxnSp>
-      <p:sp>
-        <p:nvSpPr>
-          <p:cNvPr id="120" name="AutoShape 8" descr="Exit Png">
-            <a:extLst>
-              <a:ext uri="{FF2B5EF4-FFF2-40B4-BE49-F238E27FC236}">
-                <a16:creationId xmlns:a16="http://schemas.microsoft.com/office/drawing/2014/main" id="{10032CBB-7DF9-4A10-B9C3-99F818122CD5}"/>
-              </a:ext>
-            </a:extLst>
-          </p:cNvPr>
-          <p:cNvSpPr>
-            <a:spLocks noChangeAspect="1" noChangeArrowheads="1"/>
-          </p:cNvSpPr>
-          <p:nvPr/>
-        </p:nvSpPr>
-        <p:spPr bwMode="auto">
-          <a:xfrm>
-            <a:off x="5943599" y="3276599"/>
-            <a:ext cx="2801817" cy="2801817"/>
-          </a:xfrm>
-          <a:prstGeom prst="rect">
-            <a:avLst/>
-          </a:prstGeom>
-          <a:noFill/>
-          <a:extLst>
-            <a:ext uri="{909E8E84-426E-40DD-AFC4-6F175D3DCCD1}">
-              <a14:hiddenFill xmlns:a14="http://schemas.microsoft.com/office/drawing/2010/main">
-                <a:solidFill>
-                  <a:srgbClr val="FFFFFF"/>
-                </a:solidFill>
-              </a14:hiddenFill>
-            </a:ext>
-          </a:extLst>
-        </p:spPr>
-        <p:txBody>
-          <a:bodyPr vert="horz" wrap="square" lIns="91440" tIns="45720" rIns="91440" bIns="45720" numCol="1" anchor="t" anchorCtr="0" compatLnSpc="1">
-            <a:prstTxWarp prst="textNoShape">
+            </a:fontRef>
+          </p:style>
+        </p:cxnSp>
+        <p:sp>
+          <p:nvSpPr>
+            <p:cNvPr id="120" name="AutoShape 8" descr="Exit Png">
+              <a:extLst>
+                <a:ext uri="{FF2B5EF4-FFF2-40B4-BE49-F238E27FC236}">
+                  <a16:creationId xmlns:a16="http://schemas.microsoft.com/office/drawing/2014/main" id="{10032CBB-7DF9-4A10-B9C3-99F818122CD5}"/>
+                </a:ext>
+              </a:extLst>
+            </p:cNvPr>
+            <p:cNvSpPr>
+              <a:spLocks noChangeAspect="1" noChangeArrowheads="1"/>
+            </p:cNvSpPr>
+            <p:nvPr/>
+          </p:nvSpPr>
+          <p:spPr bwMode="auto">
+            <a:xfrm>
+              <a:off x="5943599" y="3276599"/>
+              <a:ext cx="2801817" cy="2801817"/>
+            </a:xfrm>
+            <a:prstGeom prst="rect">
               <a:avLst/>
-            </a:prstTxWarp>
-          </a:bodyPr>
-          <a:lstStyle/>
-          <a:p>
-            <a:endParaRPr lang="pt-BR"/>
-          </a:p>
-        </p:txBody>
-      </p:sp>
-      <p:pic>
-        <p:nvPicPr>
-          <p:cNvPr id="1034" name="Picture 10" descr="Imagem relacionada">
-            <a:extLst>
-              <a:ext uri="{FF2B5EF4-FFF2-40B4-BE49-F238E27FC236}">
-                <a16:creationId xmlns:a16="http://schemas.microsoft.com/office/drawing/2014/main" id="{3F4599F7-A50F-4552-9A00-7C9B14F70C7A}"/>
-              </a:ext>
-            </a:extLst>
-          </p:cNvPr>
-          <p:cNvPicPr>
-            <a:picLocks noChangeAspect="1" noChangeArrowheads="1"/>
-          </p:cNvPicPr>
-          <p:nvPr/>
-        </p:nvPicPr>
-        <p:blipFill>
-          <a:blip r:embed="rId3">
-            <a:extLst>
-              <a:ext uri="{28A0092B-C50C-407E-A947-70E740481C1C}">
-                <a14:useLocalDpi xmlns:a14="http://schemas.microsoft.com/office/drawing/2010/main" val="0"/>
-              </a:ext>
-            </a:extLst>
-          </a:blip>
-          <a:srcRect/>
-          <a:stretch>
-            <a:fillRect/>
-          </a:stretch>
-        </p:blipFill>
-        <p:spPr bwMode="auto">
-          <a:xfrm>
-            <a:off x="5209736" y="1116423"/>
-            <a:ext cx="1296047" cy="1296047"/>
-          </a:xfrm>
-          <a:prstGeom prst="rect">
-            <a:avLst/>
-          </a:prstGeom>
-          <a:noFill/>
-          <a:extLst>
-            <a:ext uri="{909E8E84-426E-40DD-AFC4-6F175D3DCCD1}">
-              <a14:hiddenFill xmlns:a14="http://schemas.microsoft.com/office/drawing/2010/main">
-                <a:solidFill>
-                  <a:srgbClr val="FFFFFF"/>
-                </a:solidFill>
-              </a14:hiddenFill>
-            </a:ext>
-          </a:extLst>
-        </p:spPr>
-      </p:pic>
-      <p:pic>
-        <p:nvPicPr>
-          <p:cNvPr id="123" name="Picture 2" descr="Computer Screen Icon transparent PNG - StickPNG">
-            <a:extLst>
-              <a:ext uri="{FF2B5EF4-FFF2-40B4-BE49-F238E27FC236}">
-                <a16:creationId xmlns:a16="http://schemas.microsoft.com/office/drawing/2014/main" id="{F6E7C3D0-A1D4-4D50-AEC1-EEFDF4EE2F01}"/>
-              </a:ext>
-            </a:extLst>
-          </p:cNvPr>
-          <p:cNvPicPr>
-            <a:picLocks noChangeAspect="1" noChangeArrowheads="1"/>
-          </p:cNvPicPr>
-          <p:nvPr/>
-        </p:nvPicPr>
-        <p:blipFill>
-          <a:blip r:embed="rId2">
-            <a:extLst>
-              <a:ext uri="{28A0092B-C50C-407E-A947-70E740481C1C}">
-                <a14:useLocalDpi xmlns:a14="http://schemas.microsoft.com/office/drawing/2010/main" val="0"/>
-              </a:ext>
-            </a:extLst>
-          </a:blip>
-          <a:srcRect/>
-          <a:stretch>
-            <a:fillRect/>
-          </a:stretch>
-        </p:blipFill>
-        <p:spPr bwMode="auto">
-          <a:xfrm>
-            <a:off x="7455554" y="528413"/>
-            <a:ext cx="2256168" cy="2256168"/>
-          </a:xfrm>
-          <a:prstGeom prst="rect">
-            <a:avLst/>
-          </a:prstGeom>
-          <a:noFill/>
-          <a:extLst>
-            <a:ext uri="{909E8E84-426E-40DD-AFC4-6F175D3DCCD1}">
-              <a14:hiddenFill xmlns:a14="http://schemas.microsoft.com/office/drawing/2010/main">
-                <a:solidFill>
-                  <a:srgbClr val="FFFFFF"/>
-                </a:solidFill>
-              </a14:hiddenFill>
-            </a:ext>
-          </a:extLst>
-        </p:spPr>
-      </p:pic>
-      <p:pic>
-        <p:nvPicPr>
-          <p:cNvPr id="1036" name="Picture 12" descr="Resultado de imagem para cell phone png">
-            <a:extLst>
-              <a:ext uri="{FF2B5EF4-FFF2-40B4-BE49-F238E27FC236}">
-                <a16:creationId xmlns:a16="http://schemas.microsoft.com/office/drawing/2014/main" id="{CA154F71-0F8F-40E6-B85E-AF91E14CB528}"/>
-              </a:ext>
-            </a:extLst>
-          </p:cNvPr>
-          <p:cNvPicPr>
-            <a:picLocks noChangeAspect="1" noChangeArrowheads="1"/>
-          </p:cNvPicPr>
-          <p:nvPr/>
-        </p:nvPicPr>
-        <p:blipFill>
-          <a:blip r:embed="rId4">
-            <a:extLst>
-              <a:ext uri="{28A0092B-C50C-407E-A947-70E740481C1C}">
-                <a14:useLocalDpi xmlns:a14="http://schemas.microsoft.com/office/drawing/2010/main" val="0"/>
-              </a:ext>
-            </a:extLst>
-          </a:blip>
-          <a:srcRect/>
-          <a:stretch>
-            <a:fillRect/>
-          </a:stretch>
-        </p:blipFill>
-        <p:spPr bwMode="auto">
-          <a:xfrm>
-            <a:off x="829994" y="3821000"/>
-            <a:ext cx="1911128" cy="1911128"/>
-          </a:xfrm>
-          <a:prstGeom prst="rect">
-            <a:avLst/>
-          </a:prstGeom>
-          <a:noFill/>
-          <a:extLst>
-            <a:ext uri="{909E8E84-426E-40DD-AFC4-6F175D3DCCD1}">
-              <a14:hiddenFill xmlns:a14="http://schemas.microsoft.com/office/drawing/2010/main">
-                <a:solidFill>
-                  <a:srgbClr val="FFFFFF"/>
-                </a:solidFill>
-              </a14:hiddenFill>
-            </a:ext>
-          </a:extLst>
-        </p:spPr>
-      </p:pic>
-      <p:pic>
-        <p:nvPicPr>
-          <p:cNvPr id="1038" name="Picture 14" descr="Resultado de imagem para alert png">
-            <a:extLst>
-              <a:ext uri="{FF2B5EF4-FFF2-40B4-BE49-F238E27FC236}">
-                <a16:creationId xmlns:a16="http://schemas.microsoft.com/office/drawing/2014/main" id="{89E27110-286C-4F35-868D-5A711EC086E2}"/>
-              </a:ext>
-            </a:extLst>
-          </p:cNvPr>
-          <p:cNvPicPr>
-            <a:picLocks noChangeAspect="1" noChangeArrowheads="1"/>
-          </p:cNvPicPr>
-          <p:nvPr/>
-        </p:nvPicPr>
-        <p:blipFill>
-          <a:blip r:embed="rId5">
-            <a:extLst>
-              <a:ext uri="{28A0092B-C50C-407E-A947-70E740481C1C}">
-                <a14:useLocalDpi xmlns:a14="http://schemas.microsoft.com/office/drawing/2010/main" val="0"/>
-              </a:ext>
-            </a:extLst>
-          </a:blip>
-          <a:srcRect/>
-          <a:stretch>
-            <a:fillRect/>
-          </a:stretch>
-        </p:blipFill>
-        <p:spPr bwMode="auto">
-          <a:xfrm>
-            <a:off x="8064299" y="923666"/>
-            <a:ext cx="1025906" cy="940414"/>
-          </a:xfrm>
-          <a:prstGeom prst="rect">
-            <a:avLst/>
-          </a:prstGeom>
-          <a:noFill/>
-          <a:extLst>
-            <a:ext uri="{909E8E84-426E-40DD-AFC4-6F175D3DCCD1}">
-              <a14:hiddenFill xmlns:a14="http://schemas.microsoft.com/office/drawing/2010/main">
-                <a:solidFill>
-                  <a:srgbClr val="FFFFFF"/>
-                </a:solidFill>
-              </a14:hiddenFill>
-            </a:ext>
-          </a:extLst>
-        </p:spPr>
-      </p:pic>
-      <p:pic>
-        <p:nvPicPr>
-          <p:cNvPr id="1042" name="Picture 18" descr="Resultado de imagem para ok png">
-            <a:extLst>
-              <a:ext uri="{FF2B5EF4-FFF2-40B4-BE49-F238E27FC236}">
-                <a16:creationId xmlns:a16="http://schemas.microsoft.com/office/drawing/2014/main" id="{E4FE3B9C-26DB-44B3-A5E5-A456147311AE}"/>
-              </a:ext>
-            </a:extLst>
-          </p:cNvPr>
-          <p:cNvPicPr>
-            <a:picLocks noChangeAspect="1" noChangeArrowheads="1"/>
-          </p:cNvPicPr>
-          <p:nvPr/>
-        </p:nvPicPr>
-        <p:blipFill>
-          <a:blip r:embed="rId6">
-            <a:extLst>
-              <a:ext uri="{28A0092B-C50C-407E-A947-70E740481C1C}">
-                <a14:useLocalDpi xmlns:a14="http://schemas.microsoft.com/office/drawing/2010/main" val="0"/>
-              </a:ext>
-            </a:extLst>
-          </a:blip>
-          <a:srcRect/>
-          <a:stretch>
-            <a:fillRect/>
-          </a:stretch>
-        </p:blipFill>
-        <p:spPr bwMode="auto">
-          <a:xfrm>
-            <a:off x="1255644" y="833607"/>
-            <a:ext cx="1001458" cy="1002154"/>
-          </a:xfrm>
-          <a:prstGeom prst="rect">
-            <a:avLst/>
-          </a:prstGeom>
-          <a:noFill/>
-          <a:extLst>
-            <a:ext uri="{909E8E84-426E-40DD-AFC4-6F175D3DCCD1}">
-              <a14:hiddenFill xmlns:a14="http://schemas.microsoft.com/office/drawing/2010/main">
-                <a:solidFill>
-                  <a:srgbClr val="FFFFFF"/>
-                </a:solidFill>
-              </a14:hiddenFill>
-            </a:ext>
-          </a:extLst>
-        </p:spPr>
-      </p:pic>
+            </a:prstGeom>
+            <a:noFill/>
+            <a:extLst>
+              <a:ext uri="{909E8E84-426E-40DD-AFC4-6F175D3DCCD1}">
+                <a14:hiddenFill xmlns:a14="http://schemas.microsoft.com/office/drawing/2010/main">
+                  <a:solidFill>
+                    <a:srgbClr val="FFFFFF"/>
+                  </a:solidFill>
+                </a14:hiddenFill>
+              </a:ext>
+            </a:extLst>
+          </p:spPr>
+          <p:txBody>
+            <a:bodyPr vert="horz" wrap="square" lIns="91440" tIns="45720" rIns="91440" bIns="45720" numCol="1" anchor="t" anchorCtr="0" compatLnSpc="1">
+              <a:prstTxWarp prst="textNoShape">
+                <a:avLst/>
+              </a:prstTxWarp>
+            </a:bodyPr>
+            <a:lstStyle/>
+            <a:p>
+              <a:endParaRPr lang="pt-BR"/>
+            </a:p>
+          </p:txBody>
+        </p:sp>
+        <p:pic>
+          <p:nvPicPr>
+            <p:cNvPr id="1034" name="Picture 10" descr="Imagem relacionada">
+              <a:extLst>
+                <a:ext uri="{FF2B5EF4-FFF2-40B4-BE49-F238E27FC236}">
+                  <a16:creationId xmlns:a16="http://schemas.microsoft.com/office/drawing/2014/main" id="{3F4599F7-A50F-4552-9A00-7C9B14F70C7A}"/>
+                </a:ext>
+              </a:extLst>
+            </p:cNvPr>
+            <p:cNvPicPr>
+              <a:picLocks noChangeAspect="1" noChangeArrowheads="1"/>
+            </p:cNvPicPr>
+            <p:nvPr/>
+          </p:nvPicPr>
+          <p:blipFill>
+            <a:blip r:embed="rId3">
+              <a:extLst>
+                <a:ext uri="{28A0092B-C50C-407E-A947-70E740481C1C}">
+                  <a14:useLocalDpi xmlns:a14="http://schemas.microsoft.com/office/drawing/2010/main" val="0"/>
+                </a:ext>
+              </a:extLst>
+            </a:blip>
+            <a:srcRect/>
+            <a:stretch>
+              <a:fillRect/>
+            </a:stretch>
+          </p:blipFill>
+          <p:spPr bwMode="auto">
+            <a:xfrm>
+              <a:off x="5209736" y="1116423"/>
+              <a:ext cx="1296047" cy="1296047"/>
+            </a:xfrm>
+            <a:prstGeom prst="rect">
+              <a:avLst/>
+            </a:prstGeom>
+            <a:noFill/>
+            <a:extLst>
+              <a:ext uri="{909E8E84-426E-40DD-AFC4-6F175D3DCCD1}">
+                <a14:hiddenFill xmlns:a14="http://schemas.microsoft.com/office/drawing/2010/main">
+                  <a:solidFill>
+                    <a:srgbClr val="FFFFFF"/>
+                  </a:solidFill>
+                </a14:hiddenFill>
+              </a:ext>
+            </a:extLst>
+          </p:spPr>
+        </p:pic>
+        <p:pic>
+          <p:nvPicPr>
+            <p:cNvPr id="123" name="Picture 2" descr="Computer Screen Icon transparent PNG - StickPNG">
+              <a:extLst>
+                <a:ext uri="{FF2B5EF4-FFF2-40B4-BE49-F238E27FC236}">
+                  <a16:creationId xmlns:a16="http://schemas.microsoft.com/office/drawing/2014/main" id="{F6E7C3D0-A1D4-4D50-AEC1-EEFDF4EE2F01}"/>
+                </a:ext>
+              </a:extLst>
+            </p:cNvPr>
+            <p:cNvPicPr>
+              <a:picLocks noChangeAspect="1" noChangeArrowheads="1"/>
+            </p:cNvPicPr>
+            <p:nvPr/>
+          </p:nvPicPr>
+          <p:blipFill>
+            <a:blip r:embed="rId2">
+              <a:extLst>
+                <a:ext uri="{28A0092B-C50C-407E-A947-70E740481C1C}">
+                  <a14:useLocalDpi xmlns:a14="http://schemas.microsoft.com/office/drawing/2010/main" val="0"/>
+                </a:ext>
+              </a:extLst>
+            </a:blip>
+            <a:srcRect/>
+            <a:stretch>
+              <a:fillRect/>
+            </a:stretch>
+          </p:blipFill>
+          <p:spPr bwMode="auto">
+            <a:xfrm>
+              <a:off x="7455554" y="528413"/>
+              <a:ext cx="2256168" cy="2256168"/>
+            </a:xfrm>
+            <a:prstGeom prst="rect">
+              <a:avLst/>
+            </a:prstGeom>
+            <a:noFill/>
+            <a:extLst>
+              <a:ext uri="{909E8E84-426E-40DD-AFC4-6F175D3DCCD1}">
+                <a14:hiddenFill xmlns:a14="http://schemas.microsoft.com/office/drawing/2010/main">
+                  <a:solidFill>
+                    <a:srgbClr val="FFFFFF"/>
+                  </a:solidFill>
+                </a14:hiddenFill>
+              </a:ext>
+            </a:extLst>
+          </p:spPr>
+        </p:pic>
+        <p:pic>
+          <p:nvPicPr>
+            <p:cNvPr id="1036" name="Picture 12" descr="Resultado de imagem para cell phone png">
+              <a:extLst>
+                <a:ext uri="{FF2B5EF4-FFF2-40B4-BE49-F238E27FC236}">
+                  <a16:creationId xmlns:a16="http://schemas.microsoft.com/office/drawing/2014/main" id="{CA154F71-0F8F-40E6-B85E-AF91E14CB528}"/>
+                </a:ext>
+              </a:extLst>
+            </p:cNvPr>
+            <p:cNvPicPr>
+              <a:picLocks noChangeAspect="1" noChangeArrowheads="1"/>
+            </p:cNvPicPr>
+            <p:nvPr/>
+          </p:nvPicPr>
+          <p:blipFill>
+            <a:blip r:embed="rId4">
+              <a:extLst>
+                <a:ext uri="{28A0092B-C50C-407E-A947-70E740481C1C}">
+                  <a14:useLocalDpi xmlns:a14="http://schemas.microsoft.com/office/drawing/2010/main" val="0"/>
+                </a:ext>
+              </a:extLst>
+            </a:blip>
+            <a:srcRect/>
+            <a:stretch>
+              <a:fillRect/>
+            </a:stretch>
+          </p:blipFill>
+          <p:spPr bwMode="auto">
+            <a:xfrm>
+              <a:off x="829994" y="3821000"/>
+              <a:ext cx="1911128" cy="1911128"/>
+            </a:xfrm>
+            <a:prstGeom prst="rect">
+              <a:avLst/>
+            </a:prstGeom>
+            <a:noFill/>
+            <a:extLst>
+              <a:ext uri="{909E8E84-426E-40DD-AFC4-6F175D3DCCD1}">
+                <a14:hiddenFill xmlns:a14="http://schemas.microsoft.com/office/drawing/2010/main">
+                  <a:solidFill>
+                    <a:srgbClr val="FFFFFF"/>
+                  </a:solidFill>
+                </a14:hiddenFill>
+              </a:ext>
+            </a:extLst>
+          </p:spPr>
+        </p:pic>
+        <p:pic>
+          <p:nvPicPr>
+            <p:cNvPr id="1038" name="Picture 14" descr="Resultado de imagem para alert png">
+              <a:extLst>
+                <a:ext uri="{FF2B5EF4-FFF2-40B4-BE49-F238E27FC236}">
+                  <a16:creationId xmlns:a16="http://schemas.microsoft.com/office/drawing/2014/main" id="{89E27110-286C-4F35-868D-5A711EC086E2}"/>
+                </a:ext>
+              </a:extLst>
+            </p:cNvPr>
+            <p:cNvPicPr>
+              <a:picLocks noChangeAspect="1" noChangeArrowheads="1"/>
+            </p:cNvPicPr>
+            <p:nvPr/>
+          </p:nvPicPr>
+          <p:blipFill>
+            <a:blip r:embed="rId5">
+              <a:extLst>
+                <a:ext uri="{28A0092B-C50C-407E-A947-70E740481C1C}">
+                  <a14:useLocalDpi xmlns:a14="http://schemas.microsoft.com/office/drawing/2010/main" val="0"/>
+                </a:ext>
+              </a:extLst>
+            </a:blip>
+            <a:srcRect/>
+            <a:stretch>
+              <a:fillRect/>
+            </a:stretch>
+          </p:blipFill>
+          <p:spPr bwMode="auto">
+            <a:xfrm>
+              <a:off x="8064299" y="923666"/>
+              <a:ext cx="1025906" cy="940414"/>
+            </a:xfrm>
+            <a:prstGeom prst="rect">
+              <a:avLst/>
+            </a:prstGeom>
+            <a:noFill/>
+            <a:extLst>
+              <a:ext uri="{909E8E84-426E-40DD-AFC4-6F175D3DCCD1}">
+                <a14:hiddenFill xmlns:a14="http://schemas.microsoft.com/office/drawing/2010/main">
+                  <a:solidFill>
+                    <a:srgbClr val="FFFFFF"/>
+                  </a:solidFill>
+                </a14:hiddenFill>
+              </a:ext>
+            </a:extLst>
+          </p:spPr>
+        </p:pic>
+        <p:pic>
+          <p:nvPicPr>
+            <p:cNvPr id="1042" name="Picture 18" descr="Resultado de imagem para ok png">
+              <a:extLst>
+                <a:ext uri="{FF2B5EF4-FFF2-40B4-BE49-F238E27FC236}">
+                  <a16:creationId xmlns:a16="http://schemas.microsoft.com/office/drawing/2014/main" id="{E4FE3B9C-26DB-44B3-A5E5-A456147311AE}"/>
+                </a:ext>
+              </a:extLst>
+            </p:cNvPr>
+            <p:cNvPicPr>
+              <a:picLocks noChangeAspect="1" noChangeArrowheads="1"/>
+            </p:cNvPicPr>
+            <p:nvPr/>
+          </p:nvPicPr>
+          <p:blipFill>
+            <a:blip r:embed="rId6">
+              <a:extLst>
+                <a:ext uri="{28A0092B-C50C-407E-A947-70E740481C1C}">
+                  <a14:useLocalDpi xmlns:a14="http://schemas.microsoft.com/office/drawing/2010/main" val="0"/>
+                </a:ext>
+              </a:extLst>
+            </a:blip>
+            <a:srcRect/>
+            <a:stretch>
+              <a:fillRect/>
+            </a:stretch>
+          </p:blipFill>
+          <p:spPr bwMode="auto">
+            <a:xfrm>
+              <a:off x="1255644" y="833607"/>
+              <a:ext cx="1001458" cy="1002154"/>
+            </a:xfrm>
+            <a:prstGeom prst="rect">
+              <a:avLst/>
+            </a:prstGeom>
+            <a:noFill/>
+            <a:extLst>
+              <a:ext uri="{909E8E84-426E-40DD-AFC4-6F175D3DCCD1}">
+                <a14:hiddenFill xmlns:a14="http://schemas.microsoft.com/office/drawing/2010/main">
+                  <a:solidFill>
+                    <a:srgbClr val="FFFFFF"/>
+                  </a:solidFill>
+                </a14:hiddenFill>
+              </a:ext>
+            </a:extLst>
+          </p:spPr>
+        </p:pic>
+        <p:pic>
+          <p:nvPicPr>
+            <p:cNvPr id="24" name="Imagem 23">
+              <a:extLst>
+                <a:ext uri="{FF2B5EF4-FFF2-40B4-BE49-F238E27FC236}">
+                  <a16:creationId xmlns:a16="http://schemas.microsoft.com/office/drawing/2014/main" id="{3C5BB3C1-441A-4B7D-A2CD-A585CBF574A5}"/>
+                </a:ext>
+              </a:extLst>
+            </p:cNvPr>
+            <p:cNvPicPr>
+              <a:picLocks noChangeAspect="1"/>
+            </p:cNvPicPr>
+            <p:nvPr/>
+          </p:nvPicPr>
+          <p:blipFill rotWithShape="1">
+            <a:blip r:embed="rId7"/>
+            <a:srcRect l="71477" t="18049" r="3545" b="24892"/>
+            <a:stretch/>
+          </p:blipFill>
+          <p:spPr>
+            <a:xfrm>
+              <a:off x="1398233" y="4504446"/>
+              <a:ext cx="767233" cy="326504"/>
+            </a:xfrm>
+            <a:prstGeom prst="rect">
+              <a:avLst/>
+            </a:prstGeom>
+          </p:spPr>
+        </p:pic>
+      </p:grpSp>
     </p:spTree>
     <p:extLst>
       <p:ext uri="{BB962C8B-B14F-4D97-AF65-F5344CB8AC3E}">
@@ -6725,25 +6772,25 @@
 
 <file path=customXml/item10.xml><?xml version="1.0" encoding="utf-8"?>
 <Control xmlns="http://schemas.microsoft.com/VisualStudio/2011/storyboarding/control">
-  <Id Name="System.Storyboarding.Icons.FolderOpen" Revision="1" Stencil="System.Storyboarding.Icons" StencilVersion="0.1"/>
+  <Id Name="System.Storyboarding.Icons.Warning" Revision="1" Stencil="System.Storyboarding.Icons" StencilVersion="0.1"/>
 </Control>
 </file>
 
 <file path=customXml/item11.xml><?xml version="1.0" encoding="utf-8"?>
 <Control xmlns="http://schemas.microsoft.com/VisualStudio/2011/storyboarding/control">
-  <Id Name="System.Storyboarding.Icons.File" Revision="1" Stencil="System.Storyboarding.Icons" StencilVersion="0.1"/>
+  <Id Name="System.Storyboarding.Icons.FolderOpen" Revision="1" Stencil="System.Storyboarding.Icons" StencilVersion="0.1"/>
 </Control>
 </file>
 
 <file path=customXml/item12.xml><?xml version="1.0" encoding="utf-8"?>
 <Control xmlns="http://schemas.microsoft.com/VisualStudio/2011/storyboarding/control">
-  <Id Name="System.Storyboarding.Media.LineChart" Revision="1" Stencil="System.Storyboarding.Media" StencilVersion="0.1"/>
+  <Id Name="System.Storyboarding.Icons.Paste" Revision="1" Stencil="System.Storyboarding.Icons" StencilVersion="0.1"/>
 </Control>
 </file>
 
 <file path=customXml/item13.xml><?xml version="1.0" encoding="utf-8"?>
 <Control xmlns="http://schemas.microsoft.com/VisualStudio/2011/storyboarding/control">
-  <Id Name="System.Storyboarding.WindowsAppIcons.Check" Revision="1" Stencil="System.Storyboarding.WindowsAppIcons" StencilVersion="0.1"/>
+  <Id Name="System.Storyboarding.Icons.ExpandCollapse" Revision="1" Stencil="System.Storyboarding.Icons" StencilVersion="0.1"/>
 </Control>
 </file>
 
@@ -6755,7 +6802,7 @@
 
 <file path=customXml/item2.xml><?xml version="1.0" encoding="utf-8"?>
 <Control xmlns="http://schemas.microsoft.com/VisualStudio/2011/storyboarding/control">
-  <Id Name="System.Storyboarding.Icons.Paste" Revision="1" Stencil="System.Storyboarding.Icons" StencilVersion="0.1"/>
+  <Id Name="System.Storyboarding.WindowsAppIcons.Check" Revision="1" Stencil="System.Storyboarding.WindowsAppIcons" StencilVersion="0.1"/>
 </Control>
 </file>
 
@@ -6767,19 +6814,19 @@
 
 <file path=customXml/item4.xml><?xml version="1.0" encoding="utf-8"?>
 <Control xmlns="http://schemas.microsoft.com/VisualStudio/2011/storyboarding/control">
-  <Id Name="System.Storyboarding.Icons.Paste" Revision="1" Stencil="System.Storyboarding.Icons" StencilVersion="0.1"/>
+  <Id Name="System.Storyboarding.Backgrounds.WindowsPhone" Revision="1" Stencil="System.Storyboarding.Backgrounds" StencilVersion="0.1"/>
 </Control>
 </file>
 
 <file path=customXml/item5.xml><?xml version="1.0" encoding="utf-8"?>
 <Control xmlns="http://schemas.microsoft.com/VisualStudio/2011/storyboarding/control">
-  <Id Name="System.Storyboarding.Icons.Warning" Revision="1" Stencil="System.Storyboarding.Icons" StencilVersion="0.1"/>
+  <Id Name="System.Storyboarding.Media.LineChart" Revision="1" Stencil="System.Storyboarding.Media" StencilVersion="0.1"/>
 </Control>
 </file>
 
 <file path=customXml/item6.xml><?xml version="1.0" encoding="utf-8"?>
 <Control xmlns="http://schemas.microsoft.com/VisualStudio/2011/storyboarding/control">
-  <Id Name="System.Storyboarding.Media.VerticalBarChart" Revision="1" Stencil="System.Storyboarding.Media" StencilVersion="0.1"/>
+  <Id Name="System.Storyboarding.Icons.Paste" Revision="1" Stencil="System.Storyboarding.Icons" StencilVersion="0.1"/>
 </Control>
 </file>
 
@@ -6791,18 +6838,18 @@
 
 <file path=customXml/item8.xml><?xml version="1.0" encoding="utf-8"?>
 <Control xmlns="http://schemas.microsoft.com/VisualStudio/2011/storyboarding/control">
-  <Id Name="System.Storyboarding.Backgrounds.WindowsPhone" Revision="1" Stencil="System.Storyboarding.Backgrounds" StencilVersion="0.1"/>
+  <Id Name="System.Storyboarding.Media.VerticalBarChart" Revision="1" Stencil="System.Storyboarding.Media" StencilVersion="0.1"/>
 </Control>
 </file>
 
 <file path=customXml/item9.xml><?xml version="1.0" encoding="utf-8"?>
 <Control xmlns="http://schemas.microsoft.com/VisualStudio/2011/storyboarding/control">
-  <Id Name="System.Storyboarding.Icons.ExpandCollapse" Revision="1" Stencil="System.Storyboarding.Icons" StencilVersion="0.1"/>
+  <Id Name="System.Storyboarding.Icons.File" Revision="1" Stencil="System.Storyboarding.Icons" StencilVersion="0.1"/>
 </Control>
 </file>
 
 <file path=customXml/itemProps1.xml><?xml version="1.0" encoding="utf-8"?>
-<ds:datastoreItem xmlns:ds="http://schemas.openxmlformats.org/officeDocument/2006/customXml" ds:itemID="{6ABA07D7-12DC-4880-BA20-FC2E25A57658}">
+<ds:datastoreItem xmlns:ds="http://schemas.openxmlformats.org/officeDocument/2006/customXml" ds:itemID="{38EBF898-A80D-48A4-8F7F-57C93387D18D}">
   <ds:schemaRefs>
     <ds:schemaRef ds:uri="http://schemas.microsoft.com/VisualStudio/2011/storyboarding/control"/>
   </ds:schemaRefs>
@@ -6810,6 +6857,14 @@
 </file>
 
 <file path=customXml/itemProps10.xml><?xml version="1.0" encoding="utf-8"?>
+<ds:datastoreItem xmlns:ds="http://schemas.openxmlformats.org/officeDocument/2006/customXml" ds:itemID="{F672AFA5-7933-4DB9-B582-A00FB505E663}">
+  <ds:schemaRefs>
+    <ds:schemaRef ds:uri="http://schemas.microsoft.com/VisualStudio/2011/storyboarding/control"/>
+  </ds:schemaRefs>
+</ds:datastoreItem>
+</file>
+
+<file path=customXml/itemProps11.xml><?xml version="1.0" encoding="utf-8"?>
 <ds:datastoreItem xmlns:ds="http://schemas.openxmlformats.org/officeDocument/2006/customXml" ds:itemID="{867AD8AD-052D-4738-A4A7-5C2F34C0723F}">
   <ds:schemaRefs>
     <ds:schemaRef ds:uri="http://schemas.microsoft.com/VisualStudio/2011/storyboarding/control"/>
@@ -6817,16 +6872,8 @@
 </ds:datastoreItem>
 </file>
 
-<file path=customXml/itemProps11.xml><?xml version="1.0" encoding="utf-8"?>
-<ds:datastoreItem xmlns:ds="http://schemas.openxmlformats.org/officeDocument/2006/customXml" ds:itemID="{6184A02D-8B89-4D07-AD6E-952A45DB99F6}">
-  <ds:schemaRefs>
-    <ds:schemaRef ds:uri="http://schemas.microsoft.com/VisualStudio/2011/storyboarding/control"/>
-  </ds:schemaRefs>
-</ds:datastoreItem>
-</file>
-
 <file path=customXml/itemProps12.xml><?xml version="1.0" encoding="utf-8"?>
-<ds:datastoreItem xmlns:ds="http://schemas.openxmlformats.org/officeDocument/2006/customXml" ds:itemID="{740B8ABC-0D84-4E45-898F-78614BC263D4}">
+<ds:datastoreItem xmlns:ds="http://schemas.openxmlformats.org/officeDocument/2006/customXml" ds:itemID="{788B8229-55C8-4F4D-96C9-11DB76B31F1B}">
   <ds:schemaRefs>
     <ds:schemaRef ds:uri="http://schemas.microsoft.com/VisualStudio/2011/storyboarding/control"/>
   </ds:schemaRefs>
@@ -6834,7 +6881,7 @@
 </file>
 
 <file path=customXml/itemProps13.xml><?xml version="1.0" encoding="utf-8"?>
-<ds:datastoreItem xmlns:ds="http://schemas.openxmlformats.org/officeDocument/2006/customXml" ds:itemID="{F02434CF-CB8C-4279-AD01-50DFF4F16CC7}">
+<ds:datastoreItem xmlns:ds="http://schemas.openxmlformats.org/officeDocument/2006/customXml" ds:itemID="{380D3B55-4942-4E1D-8CE5-788461A46A16}">
   <ds:schemaRefs>
     <ds:schemaRef ds:uri="http://schemas.microsoft.com/VisualStudio/2011/storyboarding/control"/>
   </ds:schemaRefs>
@@ -6850,7 +6897,7 @@
 </file>
 
 <file path=customXml/itemProps2.xml><?xml version="1.0" encoding="utf-8"?>
-<ds:datastoreItem xmlns:ds="http://schemas.openxmlformats.org/officeDocument/2006/customXml" ds:itemID="{19A07A01-D0FE-455D-B47A-654F98A6345A}">
+<ds:datastoreItem xmlns:ds="http://schemas.openxmlformats.org/officeDocument/2006/customXml" ds:itemID="{F02434CF-CB8C-4279-AD01-50DFF4F16CC7}">
   <ds:schemaRefs>
     <ds:schemaRef ds:uri="http://schemas.microsoft.com/VisualStudio/2011/storyboarding/control"/>
   </ds:schemaRefs>
@@ -6866,7 +6913,7 @@
 </file>
 
 <file path=customXml/itemProps4.xml><?xml version="1.0" encoding="utf-8"?>
-<ds:datastoreItem xmlns:ds="http://schemas.openxmlformats.org/officeDocument/2006/customXml" ds:itemID="{788B8229-55C8-4F4D-96C9-11DB76B31F1B}">
+<ds:datastoreItem xmlns:ds="http://schemas.openxmlformats.org/officeDocument/2006/customXml" ds:itemID="{D8509391-CF86-4F1C-9D62-CCCF8A66B9E5}">
   <ds:schemaRefs>
     <ds:schemaRef ds:uri="http://schemas.microsoft.com/VisualStudio/2011/storyboarding/control"/>
   </ds:schemaRefs>
@@ -6874,7 +6921,7 @@
 </file>
 
 <file path=customXml/itemProps5.xml><?xml version="1.0" encoding="utf-8"?>
-<ds:datastoreItem xmlns:ds="http://schemas.openxmlformats.org/officeDocument/2006/customXml" ds:itemID="{F672AFA5-7933-4DB9-B582-A00FB505E663}">
+<ds:datastoreItem xmlns:ds="http://schemas.openxmlformats.org/officeDocument/2006/customXml" ds:itemID="{740B8ABC-0D84-4E45-898F-78614BC263D4}">
   <ds:schemaRefs>
     <ds:schemaRef ds:uri="http://schemas.microsoft.com/VisualStudio/2011/storyboarding/control"/>
   </ds:schemaRefs>
@@ -6882,6 +6929,22 @@
 </file>
 
 <file path=customXml/itemProps6.xml><?xml version="1.0" encoding="utf-8"?>
+<ds:datastoreItem xmlns:ds="http://schemas.openxmlformats.org/officeDocument/2006/customXml" ds:itemID="{19A07A01-D0FE-455D-B47A-654F98A6345A}">
+  <ds:schemaRefs>
+    <ds:schemaRef ds:uri="http://schemas.microsoft.com/VisualStudio/2011/storyboarding/control"/>
+  </ds:schemaRefs>
+</ds:datastoreItem>
+</file>
+
+<file path=customXml/itemProps7.xml><?xml version="1.0" encoding="utf-8"?>
+<ds:datastoreItem xmlns:ds="http://schemas.openxmlformats.org/officeDocument/2006/customXml" ds:itemID="{6ABA07D7-12DC-4880-BA20-FC2E25A57658}">
+  <ds:schemaRefs>
+    <ds:schemaRef ds:uri="http://schemas.microsoft.com/VisualStudio/2011/storyboarding/control"/>
+  </ds:schemaRefs>
+</ds:datastoreItem>
+</file>
+
+<file path=customXml/itemProps8.xml><?xml version="1.0" encoding="utf-8"?>
 <ds:datastoreItem xmlns:ds="http://schemas.openxmlformats.org/officeDocument/2006/customXml" ds:itemID="{B302C846-6C9C-4C7A-B5C2-1405D4ADB7F3}">
   <ds:schemaRefs>
     <ds:schemaRef ds:uri="http://schemas.microsoft.com/VisualStudio/2011/storyboarding/control"/>
@@ -6889,24 +6952,8 @@
 </ds:datastoreItem>
 </file>
 
-<file path=customXml/itemProps7.xml><?xml version="1.0" encoding="utf-8"?>
-<ds:datastoreItem xmlns:ds="http://schemas.openxmlformats.org/officeDocument/2006/customXml" ds:itemID="{D8509391-CF86-4F1C-9D62-CCCF8A66B9E5}">
-  <ds:schemaRefs>
-    <ds:schemaRef ds:uri="http://schemas.microsoft.com/VisualStudio/2011/storyboarding/control"/>
-  </ds:schemaRefs>
-</ds:datastoreItem>
-</file>
-
-<file path=customXml/itemProps8.xml><?xml version="1.0" encoding="utf-8"?>
-<ds:datastoreItem xmlns:ds="http://schemas.openxmlformats.org/officeDocument/2006/customXml" ds:itemID="{38EBF898-A80D-48A4-8F7F-57C93387D18D}">
-  <ds:schemaRefs>
-    <ds:schemaRef ds:uri="http://schemas.microsoft.com/VisualStudio/2011/storyboarding/control"/>
-  </ds:schemaRefs>
-</ds:datastoreItem>
-</file>
-
 <file path=customXml/itemProps9.xml><?xml version="1.0" encoding="utf-8"?>
-<ds:datastoreItem xmlns:ds="http://schemas.openxmlformats.org/officeDocument/2006/customXml" ds:itemID="{380D3B55-4942-4E1D-8CE5-788461A46A16}">
+<ds:datastoreItem xmlns:ds="http://schemas.openxmlformats.org/officeDocument/2006/customXml" ds:itemID="{6184A02D-8B89-4D07-AD6E-952A45DB99F6}">
   <ds:schemaRefs>
     <ds:schemaRef ds:uri="http://schemas.microsoft.com/VisualStudio/2011/storyboarding/control"/>
   </ds:schemaRefs>
